--- a/DeployForDay100/DeployForDay100_ITTransformation.pptx
+++ b/DeployForDay100/DeployForDay100_ITTransformation.pptx
@@ -248,6 +248,10 @@
 <p:cmAuthorLst xmlns:a="http://schemas.openxmlformats.org/drawingml/2006/main" xmlns:r="http://schemas.openxmlformats.org/officeDocument/2006/relationships" xmlns:p="http://schemas.openxmlformats.org/presentationml/2006/main">
   <p:cmAuthor id="0" name="Kimberly" initials="K" lastIdx="1" clrIdx="0"/>
 </p:cmAuthorLst>
+</file>
+
+<file path=ppt/revisionInfo.xml><?xml version="1.0" encoding="utf-8"?>
+<p1510:revInfo xmlns:a="http://schemas.openxmlformats.org/drawingml/2006/main" xmlns:r="http://schemas.openxmlformats.org/officeDocument/2006/relationships" xmlns:p1510="http://schemas.microsoft.com/office/powerpoint/2015/10/main"/>
 </file>
 
 <file path=ppt/handoutMasters/handoutMaster1.xml><?xml version="1.0" encoding="utf-8"?>
@@ -4507,7 +4511,7 @@
     <mc:Choice Requires="p14">
       <p:transition p14:dur="0"/>
     </mc:Choice>
-    <mc:Fallback xmlns="" xmlns:mv="urn:schemas-microsoft-com:mac:vml">
+    <mc:Fallback xmlns:mv="urn:schemas-microsoft-com:mac:vml" xmlns="">
       <mp:transition xmlns:mp="http://schemas.microsoft.com/office/mac/powerpoint/2008/main"/>
     </mc:Fallback>
   </mc:AlternateContent>
@@ -12414,47 +12418,34 @@
                   <a:schemeClr val="accent1"/>
                 </a:solidFill>
               </a:rPr>
-              <a:t>DEMO</a:t>
+              <a:t>GUI DEMO</a:t>
             </a:r>
           </a:p>
         </p:txBody>
       </p:sp>
       <p:sp>
         <p:nvSpPr>
-          <p:cNvPr id="2" name="TextBox 1">
+          <p:cNvPr id="3" name="Text Placeholder 2">
             <a:extLst>
               <a:ext uri="{FF2B5EF4-FFF2-40B4-BE49-F238E27FC236}">
-                <a16:creationId xmlns:a16="http://schemas.microsoft.com/office/drawing/2014/main" id="{6ACFE86E-FAEB-46DF-AC72-06E4FE158ECF}"/>
+                <a16:creationId xmlns:a16="http://schemas.microsoft.com/office/drawing/2014/main" id="{3F2D4F7E-BDDB-4D11-A9E6-200C9C7E41CE}"/>
               </a:ext>
             </a:extLst>
           </p:cNvPr>
-          <p:cNvSpPr txBox="1"/>
-          <p:nvPr/>
+          <p:cNvSpPr>
+            <a:spLocks noGrp="1"/>
+          </p:cNvSpPr>
+          <p:nvPr>
+            <p:ph type="body" idx="1"/>
+          </p:nvPr>
         </p:nvSpPr>
-        <p:spPr bwMode="auto">
-          <a:xfrm>
-            <a:off x="493776" y="1047750"/>
-            <a:ext cx="5486400" cy="2308324"/>
-          </a:xfrm>
-          <a:prstGeom prst="rect">
-            <a:avLst/>
-          </a:prstGeom>
-          <a:noFill/>
-          <a:ln w="9525">
-            <a:noFill/>
-            <a:miter lim="800000"/>
-            <a:headEnd/>
-            <a:tailEnd/>
-          </a:ln>
-        </p:spPr>
+        <p:spPr/>
         <p:txBody>
-          <a:bodyPr wrap="square" rtlCol="0">
-            <a:spAutoFit/>
-          </a:bodyPr>
+          <a:bodyPr/>
           <a:lstStyle/>
           <a:p>
             <a:r>
-              <a:rPr lang="en-US" sz="1800" dirty="0">
+              <a:rPr lang="en-US" sz="2400" dirty="0">
                 <a:solidFill>
                   <a:srgbClr val="002060"/>
                 </a:solidFill>
@@ -12464,12 +12455,12 @@
             </a:r>
           </a:p>
           <a:p>
-            <a:pPr marL="285750" indent="-285750">
+            <a:pPr marL="685800" lvl="1">
               <a:buFont typeface="Arial" panose="020B0604020202020204" pitchFamily="34" charset="0"/>
               <a:buChar char="•"/>
             </a:pPr>
             <a:r>
-              <a:rPr lang="en-US" dirty="0">
+              <a:rPr lang="en-US" sz="2000" dirty="0">
                 <a:solidFill>
                   <a:srgbClr val="002060"/>
                 </a:solidFill>
@@ -12479,12 +12470,12 @@
             </a:r>
           </a:p>
           <a:p>
-            <a:pPr marL="285750" indent="-285750">
+            <a:pPr marL="685800" lvl="1">
               <a:buFont typeface="Arial" panose="020B0604020202020204" pitchFamily="34" charset="0"/>
               <a:buChar char="•"/>
             </a:pPr>
             <a:r>
-              <a:rPr lang="en-US" dirty="0">
+              <a:rPr lang="en-US" sz="2000" dirty="0">
                 <a:solidFill>
                   <a:srgbClr val="002060"/>
                 </a:solidFill>
@@ -12494,12 +12485,12 @@
             </a:r>
           </a:p>
           <a:p>
-            <a:pPr marL="742950" lvl="1" indent="-285750">
+            <a:pPr lvl="2">
               <a:buFont typeface="Arial" panose="020B0604020202020204" pitchFamily="34" charset="0"/>
               <a:buChar char="•"/>
             </a:pPr>
             <a:r>
-              <a:rPr lang="en-US" dirty="0">
+              <a:rPr lang="en-US" sz="2000" dirty="0">
                 <a:solidFill>
                   <a:srgbClr val="002060"/>
                 </a:solidFill>
@@ -12509,12 +12500,12 @@
             </a:r>
           </a:p>
           <a:p>
-            <a:pPr marL="742950" lvl="1" indent="-285750">
+            <a:pPr lvl="2">
               <a:buFont typeface="Arial" panose="020B0604020202020204" pitchFamily="34" charset="0"/>
               <a:buChar char="•"/>
             </a:pPr>
             <a:r>
-              <a:rPr lang="en-US" dirty="0">
+              <a:rPr lang="en-US" sz="2000" dirty="0">
                 <a:solidFill>
                   <a:srgbClr val="002060"/>
                 </a:solidFill>
@@ -12524,12 +12515,12 @@
             </a:r>
           </a:p>
           <a:p>
-            <a:pPr marL="742950" lvl="1" indent="-285750">
+            <a:pPr lvl="2">
               <a:buFont typeface="Arial" panose="020B0604020202020204" pitchFamily="34" charset="0"/>
               <a:buChar char="•"/>
             </a:pPr>
             <a:r>
-              <a:rPr lang="en-US" dirty="0">
+              <a:rPr lang="en-US" sz="2000" dirty="0">
                 <a:solidFill>
                   <a:srgbClr val="002060"/>
                 </a:solidFill>
@@ -12539,12 +12530,12 @@
             </a:r>
           </a:p>
           <a:p>
-            <a:pPr marL="742950" lvl="1" indent="-285750">
+            <a:pPr lvl="2">
               <a:buFont typeface="Arial" panose="020B0604020202020204" pitchFamily="34" charset="0"/>
               <a:buChar char="•"/>
             </a:pPr>
             <a:r>
-              <a:rPr lang="en-US" dirty="0">
+              <a:rPr lang="en-US" sz="2000" dirty="0">
                 <a:solidFill>
                   <a:srgbClr val="002060"/>
                 </a:solidFill>
@@ -12554,12 +12545,12 @@
             </a:r>
           </a:p>
           <a:p>
-            <a:pPr marL="285750" indent="-285750">
+            <a:pPr marL="685800" lvl="1">
               <a:buFont typeface="Arial" panose="020B0604020202020204" pitchFamily="34" charset="0"/>
               <a:buChar char="•"/>
             </a:pPr>
             <a:r>
-              <a:rPr lang="en-US" dirty="0">
+              <a:rPr lang="en-US" sz="2000" dirty="0">
                 <a:solidFill>
                   <a:srgbClr val="002060"/>
                 </a:solidFill>
@@ -12580,9 +12571,7 @@
   <p:clrMapOvr>
     <a:masterClrMapping/>
   </p:clrMapOvr>
-  <p:transition>
-    <p:fade/>
-  </p:transition>
+  <p:transition/>
 </p:sld>
 </file>
 
@@ -15094,6 +15083,15 @@
 </file>
 
 <file path=customXml/item1.xml><?xml version="1.0" encoding="utf-8"?>
+<?mso-contentType ?>
+<FormTemplates xmlns="http://schemas.microsoft.com/sharepoint/v3/contenttype/forms">
+  <Display>DocumentLibraryForm</Display>
+  <Edit>DocumentLibraryForm</Edit>
+  <New>DocumentLibraryForm</New>
+</FormTemplates>
+</file>
+
+<file path=customXml/item2.xml><?xml version="1.0" encoding="utf-8"?>
 <ct:contentTypeSchema xmlns:ct="http://schemas.microsoft.com/office/2006/metadata/contentType" xmlns:ma="http://schemas.microsoft.com/office/2006/metadata/properties/metaAttributes" ct:_="" ma:_="" ma:contentTypeName="Document" ma:contentTypeID="0x0101003865B9DCC8F7FB4A82840FBDE1FC983A" ma:contentTypeVersion="0" ma:contentTypeDescription="Create a new document." ma:contentTypeScope="" ma:versionID="ecd0916681f32cda70880b341f4a8911">
   <xsd:schema xmlns:xsd="http://www.w3.org/2001/XMLSchema" xmlns:p="http://schemas.microsoft.com/office/2006/metadata/properties" targetNamespace="http://schemas.microsoft.com/office/2006/metadata/properties" ma:root="true" ma:fieldsID="4aeb20c0e3442673af7ee10786458764">
     <xsd:element name="properties">
@@ -15142,15 +15140,6 @@
 </ct:contentTypeSchema>
 </file>
 
-<file path=customXml/item2.xml><?xml version="1.0" encoding="utf-8"?>
-<?mso-contentType ?>
-<FormTemplates xmlns="http://schemas.microsoft.com/sharepoint/v3/contenttype/forms">
-  <Display>DocumentLibraryForm</Display>
-  <Edit>DocumentLibraryForm</Edit>
-  <New>DocumentLibraryForm</New>
-</FormTemplates>
-</file>
-
 <file path=customXml/item3.xml><?xml version="1.0" encoding="utf-8"?>
 <p:properties xmlns:p="http://schemas.microsoft.com/office/2006/metadata/properties" xmlns:xsi="http://www.w3.org/2001/XMLSchema-instance">
   <documentManagement/>
@@ -15158,6 +15147,14 @@
 </file>
 
 <file path=customXml/itemProps1.xml><?xml version="1.0" encoding="utf-8"?>
+<ds:datastoreItem xmlns:ds="http://schemas.openxmlformats.org/officeDocument/2006/customXml" ds:itemID="{1685463B-57CE-4CE4-B1CF-FE44EB79BFA3}">
+  <ds:schemaRefs>
+    <ds:schemaRef ds:uri="http://schemas.microsoft.com/sharepoint/v3/contenttype/forms"/>
+  </ds:schemaRefs>
+</ds:datastoreItem>
+</file>
+
+<file path=customXml/itemProps2.xml><?xml version="1.0" encoding="utf-8"?>
 <ds:datastoreItem xmlns:ds="http://schemas.openxmlformats.org/officeDocument/2006/customXml" ds:itemID="{1DEB1AF8-B785-4B22-89EC-168618F34A5B}">
   <ds:schemaRefs>
     <ds:schemaRef ds:uri="http://schemas.microsoft.com/office/2006/metadata/contentType"/>
@@ -15168,14 +15165,6 @@
     <ds:schemaRef ds:uri="http://purl.org/dc/elements/1.1/"/>
     <ds:schemaRef ds:uri="http://purl.org/dc/terms/"/>
     <ds:schemaRef ds:uri="http://schemas.microsoft.com/office/internal/2005/internalDocumentation"/>
-  </ds:schemaRefs>
-</ds:datastoreItem>
-</file>
-
-<file path=customXml/itemProps2.xml><?xml version="1.0" encoding="utf-8"?>
-<ds:datastoreItem xmlns:ds="http://schemas.openxmlformats.org/officeDocument/2006/customXml" ds:itemID="{1685463B-57CE-4CE4-B1CF-FE44EB79BFA3}">
-  <ds:schemaRefs>
-    <ds:schemaRef ds:uri="http://schemas.microsoft.com/sharepoint/v3/contenttype/forms"/>
   </ds:schemaRefs>
 </ds:datastoreItem>
 </file>
